--- a/python-for-beginners/Slides/12 - Loops.pptx
+++ b/python-for-beginners/Slides/12 - Loops.pptx
@@ -255,7 +255,7 @@
               <a:rPr lang="en-US" smtClean="0">
                 <a:latin typeface="Segoe UI" pitchFamily="34" charset="0"/>
               </a:rPr>
-              <a:t>6/9/2019 5:02 PM</a:t>
+              <a:t>7/17/2020 8:50 PM</a:t>
             </a:fld>
             <a:endParaRPr lang="en-US" dirty="0">
               <a:latin typeface="Segoe UI" pitchFamily="34" charset="0"/>
@@ -533,7 +533,7 @@
           <a:p>
             <a:fld id="{38EEC551-8CDA-4EB6-89BB-2A86C9F091C8}" type="datetime8">
               <a:rPr lang="en-US" smtClean="0"/>
-              <a:t>6/9/2019 5:01 PM</a:t>
+              <a:t>7/17/2020 8:50 PM</a:t>
             </a:fld>
             <a:endParaRPr lang="en-US" dirty="0"/>
           </a:p>
@@ -39528,13 +39528,34 @@
           </a:lstStyle>
           <a:p>
             <a:r>
+              <a:rPr lang="en-US" dirty="0" err="1">
+                <a:solidFill>
+                  <a:schemeClr val="bg1"/>
+                </a:solidFill>
+              </a:rPr>
+              <a:t>Laços</a:t>
+            </a:r>
+            <a:r>
               <a:rPr lang="en-US" dirty="0">
                 <a:solidFill>
                   <a:schemeClr val="bg1"/>
                 </a:solidFill>
               </a:rPr>
-              <a:t>Loops</a:t>
+              <a:t> de </a:t>
             </a:r>
+            <a:r>
+              <a:rPr lang="en-US" dirty="0" err="1">
+                <a:solidFill>
+                  <a:schemeClr val="bg1"/>
+                </a:solidFill>
+              </a:rPr>
+              <a:t>Repetição</a:t>
+            </a:r>
+            <a:endParaRPr lang="en-US" dirty="0">
+              <a:solidFill>
+                <a:schemeClr val="bg1"/>
+              </a:solidFill>
+            </a:endParaRPr>
           </a:p>
         </p:txBody>
       </p:sp>
@@ -39602,9 +39623,26 @@
           <a:lstStyle/>
           <a:p>
             <a:r>
+              <a:rPr lang="en-US" dirty="0" err="1"/>
+              <a:t>Repetir</a:t>
+            </a:r>
+            <a:r>
               <a:rPr lang="en-US" dirty="0"/>
-              <a:t>Loop through a collection</a:t>
+              <a:t> </a:t>
             </a:r>
+            <a:r>
+              <a:rPr lang="en-US" dirty="0" err="1"/>
+              <a:t>uma</a:t>
+            </a:r>
+            <a:r>
+              <a:rPr lang="en-US" dirty="0"/>
+              <a:t> </a:t>
+            </a:r>
+            <a:r>
+              <a:rPr lang="en-US" dirty="0" err="1"/>
+              <a:t>coleção</a:t>
+            </a:r>
+            <a:endParaRPr lang="en-US" dirty="0"/>
           </a:p>
         </p:txBody>
       </p:sp>
@@ -39644,7 +39682,7 @@
                   <a:srgbClr val="C00000"/>
                 </a:solidFill>
               </a:rPr>
-              <a:t>'Christopher'</a:t>
+              <a:t>'Cynthia'</a:t>
             </a:r>
             <a:r>
               <a:rPr lang="en-US" dirty="0"/>
@@ -39656,7 +39694,7 @@
                   <a:srgbClr val="C00000"/>
                 </a:solidFill>
               </a:rPr>
-              <a:t>'Susan'</a:t>
+              <a:t>'Gustavo'</a:t>
             </a:r>
             <a:r>
               <a:rPr lang="en-US" dirty="0"/>
@@ -39699,13 +39737,13 @@
           <a:p>
             <a:r>
               <a:rPr lang="en-US" dirty="0"/>
-              <a:t>Christopher</a:t>
+              <a:t>Cynthia</a:t>
             </a:r>
           </a:p>
           <a:p>
             <a:r>
               <a:rPr lang="en-US" dirty="0"/>
-              <a:t>Susan</a:t>
+              <a:t>Gustavo</a:t>
             </a:r>
           </a:p>
         </p:txBody>
@@ -39765,9 +39803,18 @@
           <a:lstStyle/>
           <a:p>
             <a:r>
+              <a:rPr lang="en-US" dirty="0" err="1"/>
+              <a:t>Múltiplas</a:t>
+            </a:r>
+            <a:r>
               <a:rPr lang="en-US" dirty="0"/>
-              <a:t>Looping a number of times</a:t>
+              <a:t> </a:t>
             </a:r>
+            <a:r>
+              <a:rPr lang="en-US" dirty="0" err="1"/>
+              <a:t>repetições</a:t>
+            </a:r>
+            <a:endParaRPr lang="en-US" dirty="0"/>
           </a:p>
         </p:txBody>
       </p:sp>
@@ -39904,9 +39951,26 @@
           <a:lstStyle/>
           <a:p>
             <a:r>
+              <a:rPr lang="en-US" dirty="0" err="1"/>
+              <a:t>Repetindo</a:t>
+            </a:r>
+            <a:r>
               <a:rPr lang="en-US" dirty="0"/>
-              <a:t>Looping with a condition</a:t>
+              <a:t> com </a:t>
             </a:r>
+            <a:r>
+              <a:rPr lang="en-US" dirty="0" err="1"/>
+              <a:t>uma</a:t>
+            </a:r>
+            <a:r>
+              <a:rPr lang="en-US" dirty="0"/>
+              <a:t> </a:t>
+            </a:r>
+            <a:r>
+              <a:rPr lang="en-US" dirty="0" err="1"/>
+              <a:t>condicional</a:t>
+            </a:r>
+            <a:endParaRPr lang="en-US" dirty="0"/>
           </a:p>
         </p:txBody>
       </p:sp>
@@ -39946,7 +40010,7 @@
                   <a:srgbClr val="C00000"/>
                 </a:solidFill>
               </a:rPr>
-              <a:t>'Christopher'</a:t>
+              <a:t>'Cynthia'</a:t>
             </a:r>
             <a:r>
               <a:rPr lang="en-US" dirty="0"/>
@@ -39958,7 +40022,7 @@
                   <a:srgbClr val="C00000"/>
                 </a:solidFill>
               </a:rPr>
-              <a:t>'Susan'</a:t>
+              <a:t>'Gustavo'</a:t>
             </a:r>
             <a:r>
               <a:rPr lang="en-US" dirty="0"/>
@@ -40000,7 +40064,47 @@
                   </a:schemeClr>
                 </a:solidFill>
               </a:rPr>
-              <a:t>	# Change the condition!!</a:t>
+              <a:t>	# </a:t>
+            </a:r>
+            <a:r>
+              <a:rPr lang="en-US" dirty="0" err="1">
+                <a:solidFill>
+                  <a:schemeClr val="tx2">
+                    <a:lumMod val="75000"/>
+                  </a:schemeClr>
+                </a:solidFill>
+              </a:rPr>
+              <a:t>Mude</a:t>
+            </a:r>
+            <a:r>
+              <a:rPr lang="en-US" dirty="0">
+                <a:solidFill>
+                  <a:schemeClr val="tx2">
+                    <a:lumMod val="75000"/>
+                  </a:schemeClr>
+                </a:solidFill>
+              </a:rPr>
+              <a:t> a </a:t>
+            </a:r>
+            <a:r>
+              <a:rPr lang="en-US" dirty="0" err="1">
+                <a:solidFill>
+                  <a:schemeClr val="tx2">
+                    <a:lumMod val="75000"/>
+                  </a:schemeClr>
+                </a:solidFill>
+              </a:rPr>
+              <a:t>condição</a:t>
+            </a:r>
+            <a:r>
+              <a:rPr lang="en-US" dirty="0">
+                <a:solidFill>
+                  <a:schemeClr val="tx2">
+                    <a:lumMod val="75000"/>
+                  </a:schemeClr>
+                </a:solidFill>
+              </a:rPr>
+              <a:t> !!</a:t>
             </a:r>
           </a:p>
           <a:p>
@@ -40049,14 +40153,15 @@
           <a:p>
             <a:r>
               <a:rPr lang="en-US" dirty="0"/>
-              <a:t>Christopher</a:t>
+              <a:t>Cynthia</a:t>
             </a:r>
           </a:p>
           <a:p>
             <a:r>
-              <a:rPr lang="en-US" dirty="0"/>
-              <a:t>Susan</a:t>
+              <a:rPr lang="en-US"/>
+              <a:t>Gustavo</a:t>
             </a:r>
+            <a:endParaRPr lang="en-US" dirty="0"/>
           </a:p>
         </p:txBody>
       </p:sp>
@@ -41212,6 +41317,189 @@
 </file>
 
 <file path=customXml/item1.xml><?xml version="1.0" encoding="utf-8"?>
+<Control xmlns="http://schemas.microsoft.com/VisualStudio/2011/storyboarding/control">
+  <Id Name="d69996e1-3d61-4686-9b63-f1b855c596ab" Revision="1" Stencil="7276b9ef-3953-4dce-a89b-ed85f20b8b93" StencilVersion="1.0"/>
+</Control>
+</file>
+
+<file path=customXml/item10.xml><?xml version="1.0" encoding="utf-8"?>
+<Control xmlns="http://schemas.microsoft.com/VisualStudio/2011/storyboarding/control">
+  <Id Name="a53d73d2-368b-429e-b817-1324eec1382c" Revision="1" Stencil="7276b9ef-3953-4dce-a89b-ed85f20b8b93" StencilVersion="1.0"/>
+</Control>
+</file>
+
+<file path=customXml/item11.xml><?xml version="1.0" encoding="utf-8"?>
+<Control xmlns="http://schemas.microsoft.com/VisualStudio/2011/storyboarding/control">
+  <Id Name="fb22c541-ded0-47fa-8877-83a4c2d16227" Revision="1" Stencil="7276b9ef-3953-4dce-a89b-ed85f20b8b93" StencilVersion="1.0"/>
+</Control>
+</file>
+
+<file path=customXml/item12.xml><?xml version="1.0" encoding="utf-8"?>
+<Control xmlns="http://schemas.microsoft.com/VisualStudio/2011/storyboarding/control">
+  <Id Name="a2191c86-fc50-4add-948c-129f6b5a88d8" Revision="1" Stencil="7276b9ef-3953-4dce-a89b-ed85f20b8b93" StencilVersion="1.0"/>
+</Control>
+</file>
+
+<file path=customXml/item13.xml><?xml version="1.0" encoding="utf-8"?>
+<Control xmlns="http://schemas.microsoft.com/VisualStudio/2011/storyboarding/control">
+  <Id Name="d69996e1-3d61-4686-9b63-f1b855c596ab" Revision="1" Stencil="7276b9ef-3953-4dce-a89b-ed85f20b8b93" StencilVersion="1.0"/>
+</Control>
+</file>
+
+<file path=customXml/item14.xml><?xml version="1.0" encoding="utf-8"?>
+<Control xmlns="http://schemas.microsoft.com/VisualStudio/2011/storyboarding/control">
+  <Id Name="369f9055-6b6c-48b9-9320-5df2d46c430a" Revision="1" Stencil="7276b9ef-3953-4dce-a89b-ed85f20b8b93" StencilVersion="1.0"/>
+</Control>
+</file>
+
+<file path=customXml/item15.xml><?xml version="1.0" encoding="utf-8"?>
+<Control xmlns="http://schemas.microsoft.com/VisualStudio/2011/storyboarding/control">
+  <Id Name="a53d73d2-368b-429e-b817-1324eec1382c" Revision="1" Stencil="7276b9ef-3953-4dce-a89b-ed85f20b8b93" StencilVersion="1.0"/>
+</Control>
+</file>
+
+<file path=customXml/item16.xml><?xml version="1.0" encoding="utf-8"?>
+<Control xmlns="http://schemas.microsoft.com/VisualStudio/2011/storyboarding/control">
+  <Id Name="a53d73d2-368b-429e-b817-1324eec1382c" Revision="1" Stencil="7276b9ef-3953-4dce-a89b-ed85f20b8b93" StencilVersion="1.0"/>
+</Control>
+</file>
+
+<file path=customXml/item17.xml><?xml version="1.0" encoding="utf-8"?>
+<Control xmlns="http://schemas.microsoft.com/VisualStudio/2011/storyboarding/control">
+  <Id Name="a53d73d2-368b-429e-b817-1324eec1382c" Revision="1" Stencil="7276b9ef-3953-4dce-a89b-ed85f20b8b93" StencilVersion="1.0"/>
+</Control>
+</file>
+
+<file path=customXml/item18.xml><?xml version="1.0" encoding="utf-8"?>
+<Control xmlns="http://schemas.microsoft.com/VisualStudio/2011/storyboarding/control">
+  <Id Name="369f9055-6b6c-48b9-9320-5df2d46c430a" Revision="1" Stencil="7276b9ef-3953-4dce-a89b-ed85f20b8b93" StencilVersion="1.0"/>
+</Control>
+</file>
+
+<file path=customXml/item19.xml><?xml version="1.0" encoding="utf-8"?>
+<Control xmlns="http://schemas.microsoft.com/VisualStudio/2011/storyboarding/control">
+  <Id Name="fb22c541-ded0-47fa-8877-83a4c2d16227" Revision="1" Stencil="7276b9ef-3953-4dce-a89b-ed85f20b8b93" StencilVersion="1.0"/>
+</Control>
+</file>
+
+<file path=customXml/item2.xml><?xml version="1.0" encoding="utf-8"?>
+<Control xmlns="http://schemas.microsoft.com/VisualStudio/2011/storyboarding/control">
+  <Id Name="a53d73d2-368b-429e-b817-1324eec1382c" Revision="1" Stencil="7276b9ef-3953-4dce-a89b-ed85f20b8b93" StencilVersion="1.0"/>
+</Control>
+</file>
+
+<file path=customXml/item20.xml><?xml version="1.0" encoding="utf-8"?>
+<Control xmlns="http://schemas.microsoft.com/VisualStudio/2011/storyboarding/control">
+  <Id Name="d69996e1-3d61-4686-9b63-f1b855c596ab" Revision="1" Stencil="7276b9ef-3953-4dce-a89b-ed85f20b8b93" StencilVersion="1.0"/>
+</Control>
+</file>
+
+<file path=customXml/item21.xml><?xml version="1.0" encoding="utf-8"?>
+<Control xmlns="http://schemas.microsoft.com/VisualStudio/2011/storyboarding/control">
+  <Id Name="fb22c541-ded0-47fa-8877-83a4c2d16227" Revision="1" Stencil="7276b9ef-3953-4dce-a89b-ed85f20b8b93" StencilVersion="1.0"/>
+</Control>
+</file>
+
+<file path=customXml/item22.xml><?xml version="1.0" encoding="utf-8"?>
+<Control xmlns="http://schemas.microsoft.com/VisualStudio/2011/storyboarding/control">
+  <Id Name="d69996e1-3d61-4686-9b63-f1b855c596ab" Revision="1" Stencil="7276b9ef-3953-4dce-a89b-ed85f20b8b93" StencilVersion="1.0"/>
+</Control>
+</file>
+
+<file path=customXml/item23.xml><?xml version="1.0" encoding="utf-8"?>
+<Control xmlns="http://schemas.microsoft.com/VisualStudio/2011/storyboarding/control">
+  <Id Name="fb22c541-ded0-47fa-8877-83a4c2d16227" Revision="1" Stencil="7276b9ef-3953-4dce-a89b-ed85f20b8b93" StencilVersion="1.0"/>
+</Control>
+</file>
+
+<file path=customXml/item24.xml><?xml version="1.0" encoding="utf-8"?>
+<Control xmlns="http://schemas.microsoft.com/VisualStudio/2011/storyboarding/control">
+  <Id Name="a2191c86-fc50-4add-948c-129f6b5a88d8" Revision="1" Stencil="7276b9ef-3953-4dce-a89b-ed85f20b8b93" StencilVersion="1.0"/>
+</Control>
+</file>
+
+<file path=customXml/item25.xml><?xml version="1.0" encoding="utf-8"?>
+<Control xmlns="http://schemas.microsoft.com/VisualStudio/2011/storyboarding/control">
+  <Id Name="a53d73d2-368b-429e-b817-1324eec1382c" Revision="1" Stencil="7276b9ef-3953-4dce-a89b-ed85f20b8b93" StencilVersion="1.0"/>
+</Control>
+</file>
+
+<file path=customXml/item26.xml><?xml version="1.0" encoding="utf-8"?>
+<Control xmlns="http://schemas.microsoft.com/VisualStudio/2011/storyboarding/control">
+  <Id Name="a2191c86-fc50-4add-948c-129f6b5a88d8" Revision="1" Stencil="7276b9ef-3953-4dce-a89b-ed85f20b8b93" StencilVersion="1.0"/>
+</Control>
+</file>
+
+<file path=customXml/item27.xml><?xml version="1.0" encoding="utf-8"?>
+<?mso-contentType ?>
+<FormTemplates xmlns="http://schemas.microsoft.com/sharepoint/v3/contenttype/forms">
+  <Display>DocumentLibraryForm</Display>
+  <Edit>DocumentLibraryForm</Edit>
+  <New>DocumentLibraryForm</New>
+</FormTemplates>
+</file>
+
+<file path=customXml/item28.xml><?xml version="1.0" encoding="utf-8"?>
+<Control xmlns="http://schemas.microsoft.com/VisualStudio/2011/storyboarding/control">
+  <Id Name="a2191c86-fc50-4add-948c-129f6b5a88d8" Revision="1" Stencil="7276b9ef-3953-4dce-a89b-ed85f20b8b93" StencilVersion="1.0"/>
+</Control>
+</file>
+
+<file path=customXml/item29.xml><?xml version="1.0" encoding="utf-8"?>
+<Control xmlns="http://schemas.microsoft.com/VisualStudio/2011/storyboarding/control">
+  <Id Name="369f9055-6b6c-48b9-9320-5df2d46c430a" Revision="1" Stencil="7276b9ef-3953-4dce-a89b-ed85f20b8b93" StencilVersion="1.0"/>
+</Control>
+</file>
+
+<file path=customXml/item3.xml><?xml version="1.0" encoding="utf-8"?>
+<Control xmlns="http://schemas.microsoft.com/VisualStudio/2011/storyboarding/control">
+  <Id Name="369f9055-6b6c-48b9-9320-5df2d46c430a" Revision="1" Stencil="7276b9ef-3953-4dce-a89b-ed85f20b8b93" StencilVersion="1.0"/>
+</Control>
+</file>
+
+<file path=customXml/item30.xml><?xml version="1.0" encoding="utf-8"?>
+<Control xmlns="http://schemas.microsoft.com/VisualStudio/2011/storyboarding/control">
+  <Id Name="fb22c541-ded0-47fa-8877-83a4c2d16227" Revision="1" Stencil="7276b9ef-3953-4dce-a89b-ed85f20b8b93" StencilVersion="1.0"/>
+</Control>
+</file>
+
+<file path=customXml/item31.xml><?xml version="1.0" encoding="utf-8"?>
+<Control xmlns="http://schemas.microsoft.com/VisualStudio/2011/storyboarding/control">
+  <Id Name="fb22c541-ded0-47fa-8877-83a4c2d16227" Revision="1" Stencil="7276b9ef-3953-4dce-a89b-ed85f20b8b93" StencilVersion="1.0"/>
+</Control>
+</file>
+
+<file path=customXml/item32.xml><?xml version="1.0" encoding="utf-8"?>
+<Control xmlns="http://schemas.microsoft.com/VisualStudio/2011/storyboarding/control">
+  <Id Name="d69996e1-3d61-4686-9b63-f1b855c596ab" Revision="1" Stencil="7276b9ef-3953-4dce-a89b-ed85f20b8b93" StencilVersion="1.0"/>
+</Control>
+</file>
+
+<file path=customXml/item33.xml><?xml version="1.0" encoding="utf-8"?>
+<Control xmlns="http://schemas.microsoft.com/VisualStudio/2011/storyboarding/control">
+  <Id Name="369f9055-6b6c-48b9-9320-5df2d46c430a" Revision="1" Stencil="7276b9ef-3953-4dce-a89b-ed85f20b8b93" StencilVersion="1.0"/>
+</Control>
+</file>
+
+<file path=customXml/item4.xml><?xml version="1.0" encoding="utf-8"?>
+<Control xmlns="http://schemas.microsoft.com/VisualStudio/2011/storyboarding/control">
+  <Id Name="369f9055-6b6c-48b9-9320-5df2d46c430a" Revision="1" Stencil="7276b9ef-3953-4dce-a89b-ed85f20b8b93" StencilVersion="1.0"/>
+</Control>
+</file>
+
+<file path=customXml/item5.xml><?xml version="1.0" encoding="utf-8"?>
+<Control xmlns="http://schemas.microsoft.com/VisualStudio/2011/storyboarding/control">
+  <Id Name="a2191c86-fc50-4add-948c-129f6b5a88d8" Revision="1" Stencil="7276b9ef-3953-4dce-a89b-ed85f20b8b93" StencilVersion="1.0"/>
+</Control>
+</file>
+
+<file path=customXml/item6.xml><?xml version="1.0" encoding="utf-8"?>
+<Control xmlns="http://schemas.microsoft.com/VisualStudio/2011/storyboarding/control">
+  <Id Name="a2191c86-fc50-4add-948c-129f6b5a88d8" Revision="1" Stencil="7276b9ef-3953-4dce-a89b-ed85f20b8b93" StencilVersion="1.0"/>
+</Control>
+</file>
+
+<file path=customXml/item7.xml><?xml version="1.0" encoding="utf-8"?>
 <ct:contentTypeSchema xmlns:ct="http://schemas.microsoft.com/office/2006/metadata/contentType" xmlns:ma="http://schemas.microsoft.com/office/2006/metadata/properties/metaAttributes" ct:_="" ma:_="" ma:contentTypeName="Document" ma:contentTypeID="0x010100674EDBEC711BD14FBA6FF5C10FEFEAC7" ma:contentTypeVersion="2" ma:contentTypeDescription="Create a new document." ma:contentTypeScope="" ma:versionID="2439c5e21841780d4f192983b535a097">
   <xsd:schema xmlns:xsd="http://www.w3.org/2001/XMLSchema" xmlns:xs="http://www.w3.org/2001/XMLSchema" xmlns:p="http://schemas.microsoft.com/office/2006/metadata/properties" xmlns:ns2="83cd2334-221a-48c3-9034-bfd1542dfe28" targetNamespace="http://schemas.microsoft.com/office/2006/metadata/properties" ma:root="true" ma:fieldsID="2bca9163d8d0b233c3086236a9289b04" ns2:_="">
     <xsd:import namespace="83cd2334-221a-48c3-9034-bfd1542dfe28"/>
@@ -41359,13 +41647,13 @@
 </ct:contentTypeSchema>
 </file>
 
-<file path=customXml/item10.xml><?xml version="1.0" encoding="utf-8"?>
+<file path=customXml/item8.xml><?xml version="1.0" encoding="utf-8"?>
 <Control xmlns="http://schemas.microsoft.com/VisualStudio/2011/storyboarding/control">
-  <Id Name="a53d73d2-368b-429e-b817-1324eec1382c" Revision="1" Stencil="7276b9ef-3953-4dce-a89b-ed85f20b8b93" StencilVersion="1.0"/>
+  <Id Name="d69996e1-3d61-4686-9b63-f1b855c596ab" Revision="1" Stencil="7276b9ef-3953-4dce-a89b-ed85f20b8b93" StencilVersion="1.0"/>
 </Control>
 </file>
 
-<file path=customXml/item11.xml><?xml version="1.0" encoding="utf-8"?>
+<file path=customXml/item9.xml><?xml version="1.0" encoding="utf-8"?>
 <p:properties xmlns:p="http://schemas.microsoft.com/office/2006/metadata/properties" xmlns:xsi="http://www.w3.org/2001/XMLSchema-instance" xmlns:pc="http://schemas.microsoft.com/office/infopath/2007/PartnerControls">
   <documentManagement>
     <SharedWithUsers xmlns="83cd2334-221a-48c3-9034-bfd1542dfe28">
@@ -41389,190 +41677,247 @@
 </p:properties>
 </file>
 
-<file path=customXml/item12.xml><?xml version="1.0" encoding="utf-8"?>
-<?mso-contentType ?>
-<FormTemplates xmlns="http://schemas.microsoft.com/sharepoint/v3/contenttype/forms">
-  <Display>DocumentLibraryForm</Display>
-  <Edit>DocumentLibraryForm</Edit>
-  <New>DocumentLibraryForm</New>
-</FormTemplates>
+<file path=customXml/itemProps1.xml><?xml version="1.0" encoding="utf-8"?>
+<ds:datastoreItem xmlns:ds="http://schemas.openxmlformats.org/officeDocument/2006/customXml" ds:itemID="{0282FB20-2D4C-459D-8468-77D1D3C6925D}">
+  <ds:schemaRefs>
+    <ds:schemaRef ds:uri="http://schemas.microsoft.com/VisualStudio/2011/storyboarding/control"/>
+  </ds:schemaRefs>
+</ds:datastoreItem>
 </file>
 
-<file path=customXml/item13.xml><?xml version="1.0" encoding="utf-8"?>
-<Control xmlns="http://schemas.microsoft.com/VisualStudio/2011/storyboarding/control">
-  <Id Name="d69996e1-3d61-4686-9b63-f1b855c596ab" Revision="1" Stencil="7276b9ef-3953-4dce-a89b-ed85f20b8b93" StencilVersion="1.0"/>
-</Control>
+<file path=customXml/itemProps10.xml><?xml version="1.0" encoding="utf-8"?>
+<ds:datastoreItem xmlns:ds="http://schemas.openxmlformats.org/officeDocument/2006/customXml" ds:itemID="{21F6B647-976A-41D0-B760-9DF9DFC6AE3C}">
+  <ds:schemaRefs>
+    <ds:schemaRef ds:uri="http://schemas.microsoft.com/VisualStudio/2011/storyboarding/control"/>
+  </ds:schemaRefs>
+</ds:datastoreItem>
 </file>
 
-<file path=customXml/item14.xml><?xml version="1.0" encoding="utf-8"?>
-<Control xmlns="http://schemas.microsoft.com/VisualStudio/2011/storyboarding/control">
-  <Id Name="fb22c541-ded0-47fa-8877-83a4c2d16227" Revision="1" Stencil="7276b9ef-3953-4dce-a89b-ed85f20b8b93" StencilVersion="1.0"/>
-</Control>
+<file path=customXml/itemProps11.xml><?xml version="1.0" encoding="utf-8"?>
+<ds:datastoreItem xmlns:ds="http://schemas.openxmlformats.org/officeDocument/2006/customXml" ds:itemID="{376216F9-AF6B-4844-AE8C-B9F953F916AB}">
+  <ds:schemaRefs>
+    <ds:schemaRef ds:uri="http://schemas.microsoft.com/VisualStudio/2011/storyboarding/control"/>
+  </ds:schemaRefs>
+</ds:datastoreItem>
 </file>
 
-<file path=customXml/item15.xml><?xml version="1.0" encoding="utf-8"?>
-<Control xmlns="http://schemas.microsoft.com/VisualStudio/2011/storyboarding/control">
-  <Id Name="d69996e1-3d61-4686-9b63-f1b855c596ab" Revision="1" Stencil="7276b9ef-3953-4dce-a89b-ed85f20b8b93" StencilVersion="1.0"/>
-</Control>
+<file path=customXml/itemProps12.xml><?xml version="1.0" encoding="utf-8"?>
+<ds:datastoreItem xmlns:ds="http://schemas.openxmlformats.org/officeDocument/2006/customXml" ds:itemID="{3C954CC5-1CAC-4EC3-9791-8630483065B9}">
+  <ds:schemaRefs>
+    <ds:schemaRef ds:uri="http://schemas.microsoft.com/VisualStudio/2011/storyboarding/control"/>
+  </ds:schemaRefs>
+</ds:datastoreItem>
 </file>
 
-<file path=customXml/item16.xml><?xml version="1.0" encoding="utf-8"?>
-<Control xmlns="http://schemas.microsoft.com/VisualStudio/2011/storyboarding/control">
-  <Id Name="a2191c86-fc50-4add-948c-129f6b5a88d8" Revision="1" Stencil="7276b9ef-3953-4dce-a89b-ed85f20b8b93" StencilVersion="1.0"/>
-</Control>
+<file path=customXml/itemProps13.xml><?xml version="1.0" encoding="utf-8"?>
+<ds:datastoreItem xmlns:ds="http://schemas.openxmlformats.org/officeDocument/2006/customXml" ds:itemID="{3DC6CABD-46E1-4C27-A0B3-616DC56F8E5C}">
+  <ds:schemaRefs>
+    <ds:schemaRef ds:uri="http://schemas.microsoft.com/VisualStudio/2011/storyboarding/control"/>
+  </ds:schemaRefs>
+</ds:datastoreItem>
 </file>
 
-<file path=customXml/item17.xml><?xml version="1.0" encoding="utf-8"?>
-<Control xmlns="http://schemas.microsoft.com/VisualStudio/2011/storyboarding/control">
-  <Id Name="a2191c86-fc50-4add-948c-129f6b5a88d8" Revision="1" Stencil="7276b9ef-3953-4dce-a89b-ed85f20b8b93" StencilVersion="1.0"/>
-</Control>
+<file path=customXml/itemProps14.xml><?xml version="1.0" encoding="utf-8"?>
+<ds:datastoreItem xmlns:ds="http://schemas.openxmlformats.org/officeDocument/2006/customXml" ds:itemID="{82DB428A-B8F8-483F-8276-095629A8ECDB}">
+  <ds:schemaRefs>
+    <ds:schemaRef ds:uri="http://schemas.microsoft.com/VisualStudio/2011/storyboarding/control"/>
+  </ds:schemaRefs>
+</ds:datastoreItem>
 </file>
 
-<file path=customXml/item18.xml><?xml version="1.0" encoding="utf-8"?>
-<Control xmlns="http://schemas.microsoft.com/VisualStudio/2011/storyboarding/control">
-  <Id Name="369f9055-6b6c-48b9-9320-5df2d46c430a" Revision="1" Stencil="7276b9ef-3953-4dce-a89b-ed85f20b8b93" StencilVersion="1.0"/>
-</Control>
+<file path=customXml/itemProps15.xml><?xml version="1.0" encoding="utf-8"?>
+<ds:datastoreItem xmlns:ds="http://schemas.openxmlformats.org/officeDocument/2006/customXml" ds:itemID="{6FB9D450-4C47-4A44-8C0D-C78D8A54C46F}">
+  <ds:schemaRefs>
+    <ds:schemaRef ds:uri="http://schemas.microsoft.com/VisualStudio/2011/storyboarding/control"/>
+  </ds:schemaRefs>
+</ds:datastoreItem>
 </file>
 
-<file path=customXml/item19.xml><?xml version="1.0" encoding="utf-8"?>
-<Control xmlns="http://schemas.microsoft.com/VisualStudio/2011/storyboarding/control">
-  <Id Name="a53d73d2-368b-429e-b817-1324eec1382c" Revision="1" Stencil="7276b9ef-3953-4dce-a89b-ed85f20b8b93" StencilVersion="1.0"/>
-</Control>
+<file path=customXml/itemProps16.xml><?xml version="1.0" encoding="utf-8"?>
+<ds:datastoreItem xmlns:ds="http://schemas.openxmlformats.org/officeDocument/2006/customXml" ds:itemID="{4E805D65-1532-4BB0-8F41-8013167C0009}">
+  <ds:schemaRefs>
+    <ds:schemaRef ds:uri="http://schemas.microsoft.com/VisualStudio/2011/storyboarding/control"/>
+  </ds:schemaRefs>
+</ds:datastoreItem>
 </file>
 
-<file path=customXml/item2.xml><?xml version="1.0" encoding="utf-8"?>
-<Control xmlns="http://schemas.microsoft.com/VisualStudio/2011/storyboarding/control">
-  <Id Name="369f9055-6b6c-48b9-9320-5df2d46c430a" Revision="1" Stencil="7276b9ef-3953-4dce-a89b-ed85f20b8b93" StencilVersion="1.0"/>
-</Control>
+<file path=customXml/itemProps17.xml><?xml version="1.0" encoding="utf-8"?>
+<ds:datastoreItem xmlns:ds="http://schemas.openxmlformats.org/officeDocument/2006/customXml" ds:itemID="{F68D8396-E21C-4AFF-8FDD-70D00673D0EE}">
+  <ds:schemaRefs>
+    <ds:schemaRef ds:uri="http://schemas.microsoft.com/VisualStudio/2011/storyboarding/control"/>
+  </ds:schemaRefs>
+</ds:datastoreItem>
 </file>
 
-<file path=customXml/item20.xml><?xml version="1.0" encoding="utf-8"?>
-<Control xmlns="http://schemas.microsoft.com/VisualStudio/2011/storyboarding/control">
-  <Id Name="fb22c541-ded0-47fa-8877-83a4c2d16227" Revision="1" Stencil="7276b9ef-3953-4dce-a89b-ed85f20b8b93" StencilVersion="1.0"/>
-</Control>
+<file path=customXml/itemProps18.xml><?xml version="1.0" encoding="utf-8"?>
+<ds:datastoreItem xmlns:ds="http://schemas.openxmlformats.org/officeDocument/2006/customXml" ds:itemID="{FE651ABA-5DC1-4ABD-A06E-055AE54B337B}">
+  <ds:schemaRefs>
+    <ds:schemaRef ds:uri="http://schemas.microsoft.com/VisualStudio/2011/storyboarding/control"/>
+  </ds:schemaRefs>
+</ds:datastoreItem>
 </file>
 
-<file path=customXml/item21.xml><?xml version="1.0" encoding="utf-8"?>
-<Control xmlns="http://schemas.microsoft.com/VisualStudio/2011/storyboarding/control">
-  <Id Name="a53d73d2-368b-429e-b817-1324eec1382c" Revision="1" Stencil="7276b9ef-3953-4dce-a89b-ed85f20b8b93" StencilVersion="1.0"/>
-</Control>
+<file path=customXml/itemProps19.xml><?xml version="1.0" encoding="utf-8"?>
+<ds:datastoreItem xmlns:ds="http://schemas.openxmlformats.org/officeDocument/2006/customXml" ds:itemID="{B5105A87-47B6-44F6-97FD-4619C0556604}">
+  <ds:schemaRefs>
+    <ds:schemaRef ds:uri="http://schemas.microsoft.com/VisualStudio/2011/storyboarding/control"/>
+  </ds:schemaRefs>
+</ds:datastoreItem>
 </file>
 
-<file path=customXml/item22.xml><?xml version="1.0" encoding="utf-8"?>
-<Control xmlns="http://schemas.microsoft.com/VisualStudio/2011/storyboarding/control">
-  <Id Name="d69996e1-3d61-4686-9b63-f1b855c596ab" Revision="1" Stencil="7276b9ef-3953-4dce-a89b-ed85f20b8b93" StencilVersion="1.0"/>
-</Control>
+<file path=customXml/itemProps2.xml><?xml version="1.0" encoding="utf-8"?>
+<ds:datastoreItem xmlns:ds="http://schemas.openxmlformats.org/officeDocument/2006/customXml" ds:itemID="{ED350DFE-2319-4AB0-BC96-1D36D125365A}">
+  <ds:schemaRefs>
+    <ds:schemaRef ds:uri="http://schemas.microsoft.com/VisualStudio/2011/storyboarding/control"/>
+  </ds:schemaRefs>
+</ds:datastoreItem>
 </file>
 
-<file path=customXml/item23.xml><?xml version="1.0" encoding="utf-8"?>
-<Control xmlns="http://schemas.microsoft.com/VisualStudio/2011/storyboarding/control">
-  <Id Name="369f9055-6b6c-48b9-9320-5df2d46c430a" Revision="1" Stencil="7276b9ef-3953-4dce-a89b-ed85f20b8b93" StencilVersion="1.0"/>
-</Control>
+<file path=customXml/itemProps20.xml><?xml version="1.0" encoding="utf-8"?>
+<ds:datastoreItem xmlns:ds="http://schemas.openxmlformats.org/officeDocument/2006/customXml" ds:itemID="{C0F92A87-A216-45A9-B9C0-0515663D35BF}">
+  <ds:schemaRefs>
+    <ds:schemaRef ds:uri="http://schemas.microsoft.com/VisualStudio/2011/storyboarding/control"/>
+  </ds:schemaRefs>
+</ds:datastoreItem>
 </file>
 
-<file path=customXml/item24.xml><?xml version="1.0" encoding="utf-8"?>
-<Control xmlns="http://schemas.microsoft.com/VisualStudio/2011/storyboarding/control">
-  <Id Name="a53d73d2-368b-429e-b817-1324eec1382c" Revision="1" Stencil="7276b9ef-3953-4dce-a89b-ed85f20b8b93" StencilVersion="1.0"/>
-</Control>
+<file path=customXml/itemProps21.xml><?xml version="1.0" encoding="utf-8"?>
+<ds:datastoreItem xmlns:ds="http://schemas.openxmlformats.org/officeDocument/2006/customXml" ds:itemID="{4C1B3C27-4803-4D72-A3F8-6668A3F0A24B}">
+  <ds:schemaRefs>
+    <ds:schemaRef ds:uri="http://schemas.microsoft.com/VisualStudio/2011/storyboarding/control"/>
+  </ds:schemaRefs>
+</ds:datastoreItem>
 </file>
 
-<file path=customXml/item25.xml><?xml version="1.0" encoding="utf-8"?>
-<Control xmlns="http://schemas.microsoft.com/VisualStudio/2011/storyboarding/control">
-  <Id Name="369f9055-6b6c-48b9-9320-5df2d46c430a" Revision="1" Stencil="7276b9ef-3953-4dce-a89b-ed85f20b8b93" StencilVersion="1.0"/>
-</Control>
+<file path=customXml/itemProps22.xml><?xml version="1.0" encoding="utf-8"?>
+<ds:datastoreItem xmlns:ds="http://schemas.openxmlformats.org/officeDocument/2006/customXml" ds:itemID="{67213E6F-7B96-4222-888B-63710B06D885}">
+  <ds:schemaRefs>
+    <ds:schemaRef ds:uri="http://schemas.microsoft.com/VisualStudio/2011/storyboarding/control"/>
+  </ds:schemaRefs>
+</ds:datastoreItem>
 </file>
 
-<file path=customXml/item26.xml><?xml version="1.0" encoding="utf-8"?>
-<Control xmlns="http://schemas.microsoft.com/VisualStudio/2011/storyboarding/control">
-  <Id Name="d69996e1-3d61-4686-9b63-f1b855c596ab" Revision="1" Stencil="7276b9ef-3953-4dce-a89b-ed85f20b8b93" StencilVersion="1.0"/>
-</Control>
+<file path=customXml/itemProps23.xml><?xml version="1.0" encoding="utf-8"?>
+<ds:datastoreItem xmlns:ds="http://schemas.openxmlformats.org/officeDocument/2006/customXml" ds:itemID="{432851C6-BC05-4673-B853-6D08AB80CDC4}">
+  <ds:schemaRefs>
+    <ds:schemaRef ds:uri="http://schemas.microsoft.com/VisualStudio/2011/storyboarding/control"/>
+  </ds:schemaRefs>
+</ds:datastoreItem>
 </file>
 
-<file path=customXml/item27.xml><?xml version="1.0" encoding="utf-8"?>
-<Control xmlns="http://schemas.microsoft.com/VisualStudio/2011/storyboarding/control">
-  <Id Name="fb22c541-ded0-47fa-8877-83a4c2d16227" Revision="1" Stencil="7276b9ef-3953-4dce-a89b-ed85f20b8b93" StencilVersion="1.0"/>
-</Control>
+<file path=customXml/itemProps24.xml><?xml version="1.0" encoding="utf-8"?>
+<ds:datastoreItem xmlns:ds="http://schemas.openxmlformats.org/officeDocument/2006/customXml" ds:itemID="{4B16F4FE-7C26-4443-B426-81998D23ED87}">
+  <ds:schemaRefs>
+    <ds:schemaRef ds:uri="http://schemas.microsoft.com/VisualStudio/2011/storyboarding/control"/>
+  </ds:schemaRefs>
+</ds:datastoreItem>
 </file>
 
-<file path=customXml/item28.xml><?xml version="1.0" encoding="utf-8"?>
-<Control xmlns="http://schemas.microsoft.com/VisualStudio/2011/storyboarding/control">
-  <Id Name="a53d73d2-368b-429e-b817-1324eec1382c" Revision="1" Stencil="7276b9ef-3953-4dce-a89b-ed85f20b8b93" StencilVersion="1.0"/>
-</Control>
+<file path=customXml/itemProps25.xml><?xml version="1.0" encoding="utf-8"?>
+<ds:datastoreItem xmlns:ds="http://schemas.openxmlformats.org/officeDocument/2006/customXml" ds:itemID="{8893E80D-6D0C-4E0F-AA22-E5615BB87E5B}">
+  <ds:schemaRefs>
+    <ds:schemaRef ds:uri="http://schemas.microsoft.com/VisualStudio/2011/storyboarding/control"/>
+  </ds:schemaRefs>
+</ds:datastoreItem>
 </file>
 
-<file path=customXml/item29.xml><?xml version="1.0" encoding="utf-8"?>
-<Control xmlns="http://schemas.microsoft.com/VisualStudio/2011/storyboarding/control">
-  <Id Name="a2191c86-fc50-4add-948c-129f6b5a88d8" Revision="1" Stencil="7276b9ef-3953-4dce-a89b-ed85f20b8b93" StencilVersion="1.0"/>
-</Control>
+<file path=customXml/itemProps26.xml><?xml version="1.0" encoding="utf-8"?>
+<ds:datastoreItem xmlns:ds="http://schemas.openxmlformats.org/officeDocument/2006/customXml" ds:itemID="{8257D6BC-B71E-4D95-81E4-A1D4A8174168}">
+  <ds:schemaRefs>
+    <ds:schemaRef ds:uri="http://schemas.microsoft.com/VisualStudio/2011/storyboarding/control"/>
+  </ds:schemaRefs>
+</ds:datastoreItem>
 </file>
 
-<file path=customXml/item3.xml><?xml version="1.0" encoding="utf-8"?>
-<Control xmlns="http://schemas.microsoft.com/VisualStudio/2011/storyboarding/control">
-  <Id Name="a2191c86-fc50-4add-948c-129f6b5a88d8" Revision="1" Stencil="7276b9ef-3953-4dce-a89b-ed85f20b8b93" StencilVersion="1.0"/>
-</Control>
+<file path=customXml/itemProps27.xml><?xml version="1.0" encoding="utf-8"?>
+<ds:datastoreItem xmlns:ds="http://schemas.openxmlformats.org/officeDocument/2006/customXml" ds:itemID="{758FDAC0-319D-4A54-8D8E-1D42CB1F8004}">
+  <ds:schemaRefs>
+    <ds:schemaRef ds:uri="http://schemas.microsoft.com/sharepoint/v3/contenttype/forms"/>
+  </ds:schemaRefs>
+</ds:datastoreItem>
 </file>
 
-<file path=customXml/item30.xml><?xml version="1.0" encoding="utf-8"?>
-<Control xmlns="http://schemas.microsoft.com/VisualStudio/2011/storyboarding/control">
-  <Id Name="a2191c86-fc50-4add-948c-129f6b5a88d8" Revision="1" Stencil="7276b9ef-3953-4dce-a89b-ed85f20b8b93" StencilVersion="1.0"/>
-</Control>
+<file path=customXml/itemProps28.xml><?xml version="1.0" encoding="utf-8"?>
+<ds:datastoreItem xmlns:ds="http://schemas.openxmlformats.org/officeDocument/2006/customXml" ds:itemID="{D4B5F268-5930-44CD-BDF1-D0A04D4BBC1C}">
+  <ds:schemaRefs>
+    <ds:schemaRef ds:uri="http://schemas.microsoft.com/VisualStudio/2011/storyboarding/control"/>
+  </ds:schemaRefs>
+</ds:datastoreItem>
 </file>
 
-<file path=customXml/item31.xml><?xml version="1.0" encoding="utf-8"?>
-<Control xmlns="http://schemas.microsoft.com/VisualStudio/2011/storyboarding/control">
-  <Id Name="369f9055-6b6c-48b9-9320-5df2d46c430a" Revision="1" Stencil="7276b9ef-3953-4dce-a89b-ed85f20b8b93" StencilVersion="1.0"/>
-</Control>
+<file path=customXml/itemProps29.xml><?xml version="1.0" encoding="utf-8"?>
+<ds:datastoreItem xmlns:ds="http://schemas.openxmlformats.org/officeDocument/2006/customXml" ds:itemID="{42D603BF-B513-4201-A599-21BA0F4FFC40}">
+  <ds:schemaRefs>
+    <ds:schemaRef ds:uri="http://schemas.microsoft.com/VisualStudio/2011/storyboarding/control"/>
+  </ds:schemaRefs>
+</ds:datastoreItem>
 </file>
 
-<file path=customXml/item32.xml><?xml version="1.0" encoding="utf-8"?>
-<Control xmlns="http://schemas.microsoft.com/VisualStudio/2011/storyboarding/control">
-  <Id Name="fb22c541-ded0-47fa-8877-83a4c2d16227" Revision="1" Stencil="7276b9ef-3953-4dce-a89b-ed85f20b8b93" StencilVersion="1.0"/>
-</Control>
+<file path=customXml/itemProps3.xml><?xml version="1.0" encoding="utf-8"?>
+<ds:datastoreItem xmlns:ds="http://schemas.openxmlformats.org/officeDocument/2006/customXml" ds:itemID="{38217AA1-CC95-49A9-B284-2ED4D347D7CA}">
+  <ds:schemaRefs>
+    <ds:schemaRef ds:uri="http://schemas.microsoft.com/VisualStudio/2011/storyboarding/control"/>
+  </ds:schemaRefs>
+</ds:datastoreItem>
 </file>
 
-<file path=customXml/item33.xml><?xml version="1.0" encoding="utf-8"?>
-<Control xmlns="http://schemas.microsoft.com/VisualStudio/2011/storyboarding/control">
-  <Id Name="fb22c541-ded0-47fa-8877-83a4c2d16227" Revision="1" Stencil="7276b9ef-3953-4dce-a89b-ed85f20b8b93" StencilVersion="1.0"/>
-</Control>
+<file path=customXml/itemProps30.xml><?xml version="1.0" encoding="utf-8"?>
+<ds:datastoreItem xmlns:ds="http://schemas.openxmlformats.org/officeDocument/2006/customXml" ds:itemID="{4E8278DB-3CDD-48A7-992E-A7596AD335B9}">
+  <ds:schemaRefs>
+    <ds:schemaRef ds:uri="http://schemas.microsoft.com/VisualStudio/2011/storyboarding/control"/>
+  </ds:schemaRefs>
+</ds:datastoreItem>
 </file>
 
-<file path=customXml/item4.xml><?xml version="1.0" encoding="utf-8"?>
-<Control xmlns="http://schemas.microsoft.com/VisualStudio/2011/storyboarding/control">
-  <Id Name="fb22c541-ded0-47fa-8877-83a4c2d16227" Revision="1" Stencil="7276b9ef-3953-4dce-a89b-ed85f20b8b93" StencilVersion="1.0"/>
-</Control>
+<file path=customXml/itemProps31.xml><?xml version="1.0" encoding="utf-8"?>
+<ds:datastoreItem xmlns:ds="http://schemas.openxmlformats.org/officeDocument/2006/customXml" ds:itemID="{D6FEE829-2115-45B4-8110-670FD454542B}">
+  <ds:schemaRefs>
+    <ds:schemaRef ds:uri="http://schemas.microsoft.com/VisualStudio/2011/storyboarding/control"/>
+  </ds:schemaRefs>
+</ds:datastoreItem>
 </file>
 
-<file path=customXml/item5.xml><?xml version="1.0" encoding="utf-8"?>
-<Control xmlns="http://schemas.microsoft.com/VisualStudio/2011/storyboarding/control">
-  <Id Name="a2191c86-fc50-4add-948c-129f6b5a88d8" Revision="1" Stencil="7276b9ef-3953-4dce-a89b-ed85f20b8b93" StencilVersion="1.0"/>
-</Control>
+<file path=customXml/itemProps32.xml><?xml version="1.0" encoding="utf-8"?>
+<ds:datastoreItem xmlns:ds="http://schemas.openxmlformats.org/officeDocument/2006/customXml" ds:itemID="{C63AC2F0-1DEB-4E91-A88A-7A014A172F4F}">
+  <ds:schemaRefs>
+    <ds:schemaRef ds:uri="http://schemas.microsoft.com/VisualStudio/2011/storyboarding/control"/>
+  </ds:schemaRefs>
+</ds:datastoreItem>
 </file>
 
-<file path=customXml/item6.xml><?xml version="1.0" encoding="utf-8"?>
-<Control xmlns="http://schemas.microsoft.com/VisualStudio/2011/storyboarding/control">
-  <Id Name="d69996e1-3d61-4686-9b63-f1b855c596ab" Revision="1" Stencil="7276b9ef-3953-4dce-a89b-ed85f20b8b93" StencilVersion="1.0"/>
-</Control>
+<file path=customXml/itemProps33.xml><?xml version="1.0" encoding="utf-8"?>
+<ds:datastoreItem xmlns:ds="http://schemas.openxmlformats.org/officeDocument/2006/customXml" ds:itemID="{7959CC6A-F423-4783-B968-3BCC86A7394E}">
+  <ds:schemaRefs>
+    <ds:schemaRef ds:uri="http://schemas.microsoft.com/VisualStudio/2011/storyboarding/control"/>
+  </ds:schemaRefs>
+</ds:datastoreItem>
 </file>
 
-<file path=customXml/item7.xml><?xml version="1.0" encoding="utf-8"?>
-<Control xmlns="http://schemas.microsoft.com/VisualStudio/2011/storyboarding/control">
-  <Id Name="369f9055-6b6c-48b9-9320-5df2d46c430a" Revision="1" Stencil="7276b9ef-3953-4dce-a89b-ed85f20b8b93" StencilVersion="1.0"/>
-</Control>
+<file path=customXml/itemProps4.xml><?xml version="1.0" encoding="utf-8"?>
+<ds:datastoreItem xmlns:ds="http://schemas.openxmlformats.org/officeDocument/2006/customXml" ds:itemID="{08C4EE12-DF69-4FFC-9E40-C7991F3490A6}">
+  <ds:schemaRefs>
+    <ds:schemaRef ds:uri="http://schemas.microsoft.com/VisualStudio/2011/storyboarding/control"/>
+  </ds:schemaRefs>
+</ds:datastoreItem>
 </file>
 
-<file path=customXml/item8.xml><?xml version="1.0" encoding="utf-8"?>
-<Control xmlns="http://schemas.microsoft.com/VisualStudio/2011/storyboarding/control">
-  <Id Name="a53d73d2-368b-429e-b817-1324eec1382c" Revision="1" Stencil="7276b9ef-3953-4dce-a89b-ed85f20b8b93" StencilVersion="1.0"/>
-</Control>
+<file path=customXml/itemProps5.xml><?xml version="1.0" encoding="utf-8"?>
+<ds:datastoreItem xmlns:ds="http://schemas.openxmlformats.org/officeDocument/2006/customXml" ds:itemID="{0B54C583-7BAB-4080-8093-C5F84F5A225A}">
+  <ds:schemaRefs>
+    <ds:schemaRef ds:uri="http://schemas.microsoft.com/VisualStudio/2011/storyboarding/control"/>
+  </ds:schemaRefs>
+</ds:datastoreItem>
 </file>
 
-<file path=customXml/item9.xml><?xml version="1.0" encoding="utf-8"?>
-<Control xmlns="http://schemas.microsoft.com/VisualStudio/2011/storyboarding/control">
-  <Id Name="d69996e1-3d61-4686-9b63-f1b855c596ab" Revision="1" Stencil="7276b9ef-3953-4dce-a89b-ed85f20b8b93" StencilVersion="1.0"/>
-</Control>
+<file path=customXml/itemProps6.xml><?xml version="1.0" encoding="utf-8"?>
+<ds:datastoreItem xmlns:ds="http://schemas.openxmlformats.org/officeDocument/2006/customXml" ds:itemID="{8BD595CA-AC5E-43B9-B966-E468A16E8322}">
+  <ds:schemaRefs>
+    <ds:schemaRef ds:uri="http://schemas.microsoft.com/VisualStudio/2011/storyboarding/control"/>
+  </ds:schemaRefs>
+</ds:datastoreItem>
 </file>
 
-<file path=customXml/itemProps1.xml><?xml version="1.0" encoding="utf-8"?>
+<file path=customXml/itemProps7.xml><?xml version="1.0" encoding="utf-8"?>
 <ds:datastoreItem xmlns:ds="http://schemas.openxmlformats.org/officeDocument/2006/customXml" ds:itemID="{11F98F69-7518-4AE2-AE7B-E037DC9DDC97}">
   <ds:schemaRefs>
     <ds:schemaRef ds:uri="http://schemas.microsoft.com/office/2006/metadata/contentType"/>
@@ -41590,15 +41935,15 @@
 </ds:datastoreItem>
 </file>
 
-<file path=customXml/itemProps10.xml><?xml version="1.0" encoding="utf-8"?>
-<ds:datastoreItem xmlns:ds="http://schemas.openxmlformats.org/officeDocument/2006/customXml" ds:itemID="{4E805D65-1532-4BB0-8F41-8013167C0009}">
+<file path=customXml/itemProps8.xml><?xml version="1.0" encoding="utf-8"?>
+<ds:datastoreItem xmlns:ds="http://schemas.openxmlformats.org/officeDocument/2006/customXml" ds:itemID="{366CA990-F93D-4100-9654-65D9E30F4E1C}">
   <ds:schemaRefs>
     <ds:schemaRef ds:uri="http://schemas.microsoft.com/VisualStudio/2011/storyboarding/control"/>
   </ds:schemaRefs>
 </ds:datastoreItem>
 </file>
 
-<file path=customXml/itemProps11.xml><?xml version="1.0" encoding="utf-8"?>
+<file path=customXml/itemProps9.xml><?xml version="1.0" encoding="utf-8"?>
 <ds:datastoreItem xmlns:ds="http://schemas.openxmlformats.org/officeDocument/2006/customXml" ds:itemID="{F990F116-B58F-4255-B05B-DA3808E0E5C6}">
   <ds:schemaRefs>
     <ds:schemaRef ds:uri="http://schemas.openxmlformats.org/package/2006/metadata/core-properties"/>
@@ -41612,244 +41957,4 @@
     <ds:schemaRef ds:uri="http://purl.org/dc/dcmitype/"/>
   </ds:schemaRefs>
 </ds:datastoreItem>
-</file>
-
-<file path=customXml/itemProps12.xml><?xml version="1.0" encoding="utf-8"?>
-<ds:datastoreItem xmlns:ds="http://schemas.openxmlformats.org/officeDocument/2006/customXml" ds:itemID="{758FDAC0-319D-4A54-8D8E-1D42CB1F8004}">
-  <ds:schemaRefs>
-    <ds:schemaRef ds:uri="http://schemas.microsoft.com/sharepoint/v3/contenttype/forms"/>
-  </ds:schemaRefs>
-</ds:datastoreItem>
-</file>
-
-<file path=customXml/itemProps13.xml><?xml version="1.0" encoding="utf-8"?>
-<ds:datastoreItem xmlns:ds="http://schemas.openxmlformats.org/officeDocument/2006/customXml" ds:itemID="{C63AC2F0-1DEB-4E91-A88A-7A014A172F4F}">
-  <ds:schemaRefs>
-    <ds:schemaRef ds:uri="http://schemas.microsoft.com/VisualStudio/2011/storyboarding/control"/>
-  </ds:schemaRefs>
-</ds:datastoreItem>
-</file>
-
-<file path=customXml/itemProps14.xml><?xml version="1.0" encoding="utf-8"?>
-<ds:datastoreItem xmlns:ds="http://schemas.openxmlformats.org/officeDocument/2006/customXml" ds:itemID="{4C1B3C27-4803-4D72-A3F8-6668A3F0A24B}">
-  <ds:schemaRefs>
-    <ds:schemaRef ds:uri="http://schemas.microsoft.com/VisualStudio/2011/storyboarding/control"/>
-  </ds:schemaRefs>
-</ds:datastoreItem>
-</file>
-
-<file path=customXml/itemProps15.xml><?xml version="1.0" encoding="utf-8"?>
-<ds:datastoreItem xmlns:ds="http://schemas.openxmlformats.org/officeDocument/2006/customXml" ds:itemID="{3DC6CABD-46E1-4C27-A0B3-616DC56F8E5C}">
-  <ds:schemaRefs>
-    <ds:schemaRef ds:uri="http://schemas.microsoft.com/VisualStudio/2011/storyboarding/control"/>
-  </ds:schemaRefs>
-</ds:datastoreItem>
-</file>
-
-<file path=customXml/itemProps16.xml><?xml version="1.0" encoding="utf-8"?>
-<ds:datastoreItem xmlns:ds="http://schemas.openxmlformats.org/officeDocument/2006/customXml" ds:itemID="{0B54C583-7BAB-4080-8093-C5F84F5A225A}">
-  <ds:schemaRefs>
-    <ds:schemaRef ds:uri="http://schemas.microsoft.com/VisualStudio/2011/storyboarding/control"/>
-  </ds:schemaRefs>
-</ds:datastoreItem>
-</file>
-
-<file path=customXml/itemProps17.xml><?xml version="1.0" encoding="utf-8"?>
-<ds:datastoreItem xmlns:ds="http://schemas.openxmlformats.org/officeDocument/2006/customXml" ds:itemID="{D4B5F268-5930-44CD-BDF1-D0A04D4BBC1C}">
-  <ds:schemaRefs>
-    <ds:schemaRef ds:uri="http://schemas.microsoft.com/VisualStudio/2011/storyboarding/control"/>
-  </ds:schemaRefs>
-</ds:datastoreItem>
-</file>
-
-<file path=customXml/itemProps18.xml><?xml version="1.0" encoding="utf-8"?>
-<ds:datastoreItem xmlns:ds="http://schemas.openxmlformats.org/officeDocument/2006/customXml" ds:itemID="{7959CC6A-F423-4783-B968-3BCC86A7394E}">
-  <ds:schemaRefs>
-    <ds:schemaRef ds:uri="http://schemas.microsoft.com/VisualStudio/2011/storyboarding/control"/>
-  </ds:schemaRefs>
-</ds:datastoreItem>
-</file>
-
-<file path=customXml/itemProps19.xml><?xml version="1.0" encoding="utf-8"?>
-<ds:datastoreItem xmlns:ds="http://schemas.openxmlformats.org/officeDocument/2006/customXml" ds:itemID="{F68D8396-E21C-4AFF-8FDD-70D00673D0EE}">
-  <ds:schemaRefs>
-    <ds:schemaRef ds:uri="http://schemas.microsoft.com/VisualStudio/2011/storyboarding/control"/>
-  </ds:schemaRefs>
-</ds:datastoreItem>
-</file>
-
-<file path=customXml/itemProps2.xml><?xml version="1.0" encoding="utf-8"?>
-<ds:datastoreItem xmlns:ds="http://schemas.openxmlformats.org/officeDocument/2006/customXml" ds:itemID="{08C4EE12-DF69-4FFC-9E40-C7991F3490A6}">
-  <ds:schemaRefs>
-    <ds:schemaRef ds:uri="http://schemas.microsoft.com/VisualStudio/2011/storyboarding/control"/>
-  </ds:schemaRefs>
-</ds:datastoreItem>
-</file>
-
-<file path=customXml/itemProps20.xml><?xml version="1.0" encoding="utf-8"?>
-<ds:datastoreItem xmlns:ds="http://schemas.openxmlformats.org/officeDocument/2006/customXml" ds:itemID="{D6FEE829-2115-45B4-8110-670FD454542B}">
-  <ds:schemaRefs>
-    <ds:schemaRef ds:uri="http://schemas.microsoft.com/VisualStudio/2011/storyboarding/control"/>
-  </ds:schemaRefs>
-</ds:datastoreItem>
-</file>
-
-<file path=customXml/itemProps21.xml><?xml version="1.0" encoding="utf-8"?>
-<ds:datastoreItem xmlns:ds="http://schemas.openxmlformats.org/officeDocument/2006/customXml" ds:itemID="{ED350DFE-2319-4AB0-BC96-1D36D125365A}">
-  <ds:schemaRefs>
-    <ds:schemaRef ds:uri="http://schemas.microsoft.com/VisualStudio/2011/storyboarding/control"/>
-  </ds:schemaRefs>
-</ds:datastoreItem>
-</file>
-
-<file path=customXml/itemProps22.xml><?xml version="1.0" encoding="utf-8"?>
-<ds:datastoreItem xmlns:ds="http://schemas.openxmlformats.org/officeDocument/2006/customXml" ds:itemID="{67213E6F-7B96-4222-888B-63710B06D885}">
-  <ds:schemaRefs>
-    <ds:schemaRef ds:uri="http://schemas.microsoft.com/VisualStudio/2011/storyboarding/control"/>
-  </ds:schemaRefs>
-</ds:datastoreItem>
-</file>
-
-<file path=customXml/itemProps23.xml><?xml version="1.0" encoding="utf-8"?>
-<ds:datastoreItem xmlns:ds="http://schemas.openxmlformats.org/officeDocument/2006/customXml" ds:itemID="{82DB428A-B8F8-483F-8276-095629A8ECDB}">
-  <ds:schemaRefs>
-    <ds:schemaRef ds:uri="http://schemas.microsoft.com/VisualStudio/2011/storyboarding/control"/>
-  </ds:schemaRefs>
-</ds:datastoreItem>
-</file>
-
-<file path=customXml/itemProps24.xml><?xml version="1.0" encoding="utf-8"?>
-<ds:datastoreItem xmlns:ds="http://schemas.openxmlformats.org/officeDocument/2006/customXml" ds:itemID="{21F6B647-976A-41D0-B760-9DF9DFC6AE3C}">
-  <ds:schemaRefs>
-    <ds:schemaRef ds:uri="http://schemas.microsoft.com/VisualStudio/2011/storyboarding/control"/>
-  </ds:schemaRefs>
-</ds:datastoreItem>
-</file>
-
-<file path=customXml/itemProps25.xml><?xml version="1.0" encoding="utf-8"?>
-<ds:datastoreItem xmlns:ds="http://schemas.openxmlformats.org/officeDocument/2006/customXml" ds:itemID="{42D603BF-B513-4201-A599-21BA0F4FFC40}">
-  <ds:schemaRefs>
-    <ds:schemaRef ds:uri="http://schemas.microsoft.com/VisualStudio/2011/storyboarding/control"/>
-  </ds:schemaRefs>
-</ds:datastoreItem>
-</file>
-
-<file path=customXml/itemProps26.xml><?xml version="1.0" encoding="utf-8"?>
-<ds:datastoreItem xmlns:ds="http://schemas.openxmlformats.org/officeDocument/2006/customXml" ds:itemID="{0282FB20-2D4C-459D-8468-77D1D3C6925D}">
-  <ds:schemaRefs>
-    <ds:schemaRef ds:uri="http://schemas.microsoft.com/VisualStudio/2011/storyboarding/control"/>
-  </ds:schemaRefs>
-</ds:datastoreItem>
-</file>
-
-<file path=customXml/itemProps27.xml><?xml version="1.0" encoding="utf-8"?>
-<ds:datastoreItem xmlns:ds="http://schemas.openxmlformats.org/officeDocument/2006/customXml" ds:itemID="{432851C6-BC05-4673-B853-6D08AB80CDC4}">
-  <ds:schemaRefs>
-    <ds:schemaRef ds:uri="http://schemas.microsoft.com/VisualStudio/2011/storyboarding/control"/>
-  </ds:schemaRefs>
-</ds:datastoreItem>
-</file>
-
-<file path=customXml/itemProps28.xml><?xml version="1.0" encoding="utf-8"?>
-<ds:datastoreItem xmlns:ds="http://schemas.openxmlformats.org/officeDocument/2006/customXml" ds:itemID="{6FB9D450-4C47-4A44-8C0D-C78D8A54C46F}">
-  <ds:schemaRefs>
-    <ds:schemaRef ds:uri="http://schemas.microsoft.com/VisualStudio/2011/storyboarding/control"/>
-  </ds:schemaRefs>
-</ds:datastoreItem>
-</file>
-
-<file path=customXml/itemProps29.xml><?xml version="1.0" encoding="utf-8"?>
-<ds:datastoreItem xmlns:ds="http://schemas.openxmlformats.org/officeDocument/2006/customXml" ds:itemID="{8BD595CA-AC5E-43B9-B966-E468A16E8322}">
-  <ds:schemaRefs>
-    <ds:schemaRef ds:uri="http://schemas.microsoft.com/VisualStudio/2011/storyboarding/control"/>
-  </ds:schemaRefs>
-</ds:datastoreItem>
-</file>
-
-<file path=customXml/itemProps3.xml><?xml version="1.0" encoding="utf-8"?>
-<ds:datastoreItem xmlns:ds="http://schemas.openxmlformats.org/officeDocument/2006/customXml" ds:itemID="{8257D6BC-B71E-4D95-81E4-A1D4A8174168}">
-  <ds:schemaRefs>
-    <ds:schemaRef ds:uri="http://schemas.microsoft.com/VisualStudio/2011/storyboarding/control"/>
-  </ds:schemaRefs>
-</ds:datastoreItem>
-</file>
-
-<file path=customXml/itemProps30.xml><?xml version="1.0" encoding="utf-8"?>
-<ds:datastoreItem xmlns:ds="http://schemas.openxmlformats.org/officeDocument/2006/customXml" ds:itemID="{4B16F4FE-7C26-4443-B426-81998D23ED87}">
-  <ds:schemaRefs>
-    <ds:schemaRef ds:uri="http://schemas.microsoft.com/VisualStudio/2011/storyboarding/control"/>
-  </ds:schemaRefs>
-</ds:datastoreItem>
-</file>
-
-<file path=customXml/itemProps31.xml><?xml version="1.0" encoding="utf-8"?>
-<ds:datastoreItem xmlns:ds="http://schemas.openxmlformats.org/officeDocument/2006/customXml" ds:itemID="{FE651ABA-5DC1-4ABD-A06E-055AE54B337B}">
-  <ds:schemaRefs>
-    <ds:schemaRef ds:uri="http://schemas.microsoft.com/VisualStudio/2011/storyboarding/control"/>
-  </ds:schemaRefs>
-</ds:datastoreItem>
-</file>
-
-<file path=customXml/itemProps32.xml><?xml version="1.0" encoding="utf-8"?>
-<ds:datastoreItem xmlns:ds="http://schemas.openxmlformats.org/officeDocument/2006/customXml" ds:itemID="{376216F9-AF6B-4844-AE8C-B9F953F916AB}">
-  <ds:schemaRefs>
-    <ds:schemaRef ds:uri="http://schemas.microsoft.com/VisualStudio/2011/storyboarding/control"/>
-  </ds:schemaRefs>
-</ds:datastoreItem>
-</file>
-
-<file path=customXml/itemProps33.xml><?xml version="1.0" encoding="utf-8"?>
-<ds:datastoreItem xmlns:ds="http://schemas.openxmlformats.org/officeDocument/2006/customXml" ds:itemID="{4E8278DB-3CDD-48A7-992E-A7596AD335B9}">
-  <ds:schemaRefs>
-    <ds:schemaRef ds:uri="http://schemas.microsoft.com/VisualStudio/2011/storyboarding/control"/>
-  </ds:schemaRefs>
-</ds:datastoreItem>
-</file>
-
-<file path=customXml/itemProps4.xml><?xml version="1.0" encoding="utf-8"?>
-<ds:datastoreItem xmlns:ds="http://schemas.openxmlformats.org/officeDocument/2006/customXml" ds:itemID="{B5105A87-47B6-44F6-97FD-4619C0556604}">
-  <ds:schemaRefs>
-    <ds:schemaRef ds:uri="http://schemas.microsoft.com/VisualStudio/2011/storyboarding/control"/>
-  </ds:schemaRefs>
-</ds:datastoreItem>
-</file>
-
-<file path=customXml/itemProps5.xml><?xml version="1.0" encoding="utf-8"?>
-<ds:datastoreItem xmlns:ds="http://schemas.openxmlformats.org/officeDocument/2006/customXml" ds:itemID="{3C954CC5-1CAC-4EC3-9791-8630483065B9}">
-  <ds:schemaRefs>
-    <ds:schemaRef ds:uri="http://schemas.microsoft.com/VisualStudio/2011/storyboarding/control"/>
-  </ds:schemaRefs>
-</ds:datastoreItem>
-</file>
-
-<file path=customXml/itemProps6.xml><?xml version="1.0" encoding="utf-8"?>
-<ds:datastoreItem xmlns:ds="http://schemas.openxmlformats.org/officeDocument/2006/customXml" ds:itemID="{366CA990-F93D-4100-9654-65D9E30F4E1C}">
-  <ds:schemaRefs>
-    <ds:schemaRef ds:uri="http://schemas.microsoft.com/VisualStudio/2011/storyboarding/control"/>
-  </ds:schemaRefs>
-</ds:datastoreItem>
-</file>
-
-<file path=customXml/itemProps7.xml><?xml version="1.0" encoding="utf-8"?>
-<ds:datastoreItem xmlns:ds="http://schemas.openxmlformats.org/officeDocument/2006/customXml" ds:itemID="{38217AA1-CC95-49A9-B284-2ED4D347D7CA}">
-  <ds:schemaRefs>
-    <ds:schemaRef ds:uri="http://schemas.microsoft.com/VisualStudio/2011/storyboarding/control"/>
-  </ds:schemaRefs>
-</ds:datastoreItem>
-</file>
-
-<file path=customXml/itemProps8.xml><?xml version="1.0" encoding="utf-8"?>
-<ds:datastoreItem xmlns:ds="http://schemas.openxmlformats.org/officeDocument/2006/customXml" ds:itemID="{8893E80D-6D0C-4E0F-AA22-E5615BB87E5B}">
-  <ds:schemaRefs>
-    <ds:schemaRef ds:uri="http://schemas.microsoft.com/VisualStudio/2011/storyboarding/control"/>
-  </ds:schemaRefs>
-</ds:datastoreItem>
-</file>
-
-<file path=customXml/itemProps9.xml><?xml version="1.0" encoding="utf-8"?>
-<ds:datastoreItem xmlns:ds="http://schemas.openxmlformats.org/officeDocument/2006/customXml" ds:itemID="{C0F92A87-A216-45A9-B9C0-0515663D35BF}">
-  <ds:schemaRefs>
-    <ds:schemaRef ds:uri="http://schemas.microsoft.com/VisualStudio/2011/storyboarding/control"/>
-  </ds:schemaRefs>
-</ds:datastoreItem>
 </file>